--- a/project summary analytical workflows.pptx
+++ b/project summary analytical workflows.pptx
@@ -4537,7 +4537,7 @@
           <a:p>
             <a:r>
               <a:rPr lang="en-US" dirty="0"/>
-              <a:t>Sticking points</a:t>
+              <a:t>What went well</a:t>
             </a:r>
           </a:p>
           <a:p>
